--- a/sparrow virtual assistance python.pptx
+++ b/sparrow virtual assistance python.pptx
@@ -28742,113 +28742,21 @@
             <p:ph type="title"/>
           </p:nvPr>
         </p:nvSpPr>
-        <p:spPr/>
+        <p:spPr>
+          <a:xfrm>
+            <a:off x="444500" y="542925"/>
+            <a:ext cx="11214100" cy="535531"/>
+          </a:xfrm>
+        </p:spPr>
         <p:txBody>
-          <a:bodyPr/>
+          <a:bodyPr vert="horz" wrap="square" lIns="91440" tIns="45720" rIns="91440" bIns="45720" rtlCol="0" anchor="t">
+            <a:normAutofit/>
+          </a:bodyPr>
           <a:lstStyle/>
           <a:p>
             <a:r>
-              <a:rPr lang="en-US" dirty="0"/>
+              <a:rPr lang="en-US" b="1" kern="1200" spc="-70" baseline="0"/>
               <a:t>Graphical User Interface</a:t>
-            </a:r>
-          </a:p>
-        </p:txBody>
-      </p:sp>
-      <p:pic>
-        <p:nvPicPr>
-          <p:cNvPr id="20" name="Picture Placeholder 19" descr="Triangular pattern design with dimension">
-            <a:extLst>
-              <a:ext uri="{FF2B5EF4-FFF2-40B4-BE49-F238E27FC236}">
-                <a16:creationId xmlns:a16="http://schemas.microsoft.com/office/drawing/2014/main" id="{3DCA2B8E-64D3-7645-8DEB-688ED5756F52}"/>
-              </a:ext>
-            </a:extLst>
-          </p:cNvPr>
-          <p:cNvPicPr>
-            <a:picLocks noGrp="1" noChangeAspect="1"/>
-          </p:cNvPicPr>
-          <p:nvPr>
-            <p:ph type="pic" sz="quarter" idx="19"/>
-          </p:nvPr>
-        </p:nvPicPr>
-        <p:blipFill>
-          <a:blip r:embed="rId2">
-            <a:extLst>
-              <a:ext uri="{28A0092B-C50C-407E-A947-70E740481C1C}">
-                <a14:useLocalDpi xmlns:a14="http://schemas.microsoft.com/office/drawing/2010/main" val="0"/>
-              </a:ext>
-            </a:extLst>
-          </a:blip>
-          <a:srcRect/>
-          <a:stretch>
-            <a:fillRect/>
-          </a:stretch>
-        </p:blipFill>
-        <p:spPr>
-          <a:xfrm>
-            <a:off x="-2" y="1352575"/>
-            <a:ext cx="12192002" cy="1885925"/>
-          </a:xfrm>
-        </p:spPr>
-      </p:pic>
-      <p:sp>
-        <p:nvSpPr>
-          <p:cNvPr id="19" name="Text Placeholder 18">
-            <a:extLst>
-              <a:ext uri="{FF2B5EF4-FFF2-40B4-BE49-F238E27FC236}">
-                <a16:creationId xmlns:a16="http://schemas.microsoft.com/office/drawing/2014/main" id="{782206B1-586F-4254-9B36-D06C4E294ACF}"/>
-              </a:ext>
-            </a:extLst>
-          </p:cNvPr>
-          <p:cNvSpPr>
-            <a:spLocks noGrp="1"/>
-          </p:cNvSpPr>
-          <p:nvPr>
-            <p:ph type="body" sz="quarter" idx="18"/>
-          </p:nvPr>
-        </p:nvSpPr>
-        <p:spPr>
-          <a:xfrm>
-            <a:off x="1168400" y="3337978"/>
-            <a:ext cx="4254500" cy="2877619"/>
-          </a:xfrm>
-        </p:spPr>
-        <p:txBody>
-          <a:bodyPr/>
-          <a:lstStyle/>
-          <a:p>
-            <a:r>
-              <a:rPr lang="en-US" sz="1800" dirty="0"/>
-              <a:t>Library: tkinter</a:t>
-            </a:r>
-          </a:p>
-          <a:p>
-            <a:r>
-              <a:rPr lang="en-US" sz="1800" dirty="0"/>
-              <a:t> Components:</a:t>
-            </a:r>
-          </a:p>
-          <a:p>
-            <a:r>
-              <a:rPr lang="en-US" sz="1800" dirty="0"/>
-              <a:t>  1. Microphone button (with custom image)</a:t>
-            </a:r>
-          </a:p>
-          <a:p>
-            <a:r>
-              <a:rPr lang="en-US" sz="1800" dirty="0"/>
-              <a:t>  2. Text input field</a:t>
-            </a:r>
-          </a:p>
-          <a:p>
-            <a:r>
-              <a:rPr lang="en-US" sz="1800" dirty="0"/>
-              <a:t>  3. Submit button</a:t>
-            </a:r>
-          </a:p>
-          <a:p>
-            <a:r>
-              <a:rPr lang="en-US" sz="1800" dirty="0"/>
-              <a:t>  4. Output text area</a:t>
             </a:r>
           </a:p>
         </p:txBody>
@@ -28869,20 +28777,157 @@
             <p:ph type="sldNum" sz="quarter" idx="12"/>
           </p:nvPr>
         </p:nvSpPr>
-        <p:spPr/>
+        <p:spPr>
+          <a:xfrm>
+            <a:off x="11252200" y="6315075"/>
+            <a:ext cx="406400" cy="365125"/>
+          </a:xfrm>
+        </p:spPr>
         <p:txBody>
-          <a:bodyPr/>
+          <a:bodyPr vert="horz" lIns="91440" tIns="45720" rIns="91440" bIns="45720" rtlCol="0" anchor="ctr">
+            <a:normAutofit/>
+          </a:bodyPr>
           <a:lstStyle/>
           <a:p>
+            <a:pPr>
+              <a:spcAft>
+                <a:spcPts val="600"/>
+              </a:spcAft>
+            </a:pPr>
             <a:fld id="{C263D6C4-4840-40CC-AC84-17E24B3B7BDE}" type="slidenum">
               <a:rPr lang="en-US" smtClean="0"/>
-              <a:pPr/>
+              <a:pPr>
+                <a:spcAft>
+                  <a:spcPts val="600"/>
+                </a:spcAft>
+              </a:pPr>
               <a:t>10</a:t>
             </a:fld>
-            <a:endParaRPr lang="en-US" dirty="0"/>
+            <a:endParaRPr lang="en-US"/>
           </a:p>
         </p:txBody>
       </p:sp>
+      <p:sp>
+        <p:nvSpPr>
+          <p:cNvPr id="19" name="Text Placeholder 18">
+            <a:extLst>
+              <a:ext uri="{FF2B5EF4-FFF2-40B4-BE49-F238E27FC236}">
+                <a16:creationId xmlns:a16="http://schemas.microsoft.com/office/drawing/2014/main" id="{782206B1-586F-4254-9B36-D06C4E294ACF}"/>
+              </a:ext>
+            </a:extLst>
+          </p:cNvPr>
+          <p:cNvSpPr>
+            <a:spLocks noGrp="1"/>
+          </p:cNvSpPr>
+          <p:nvPr>
+            <p:ph sz="half" idx="1"/>
+          </p:nvPr>
+        </p:nvSpPr>
+        <p:spPr>
+          <a:xfrm>
+            <a:off x="443365" y="1517715"/>
+            <a:ext cx="5184437" cy="4659248"/>
+          </a:xfrm>
+        </p:spPr>
+        <p:txBody>
+          <a:bodyPr vert="horz" lIns="91440" tIns="45720" rIns="91440" bIns="45720" rtlCol="0">
+            <a:normAutofit/>
+          </a:bodyPr>
+          <a:lstStyle/>
+          <a:p>
+            <a:r>
+              <a:rPr lang="en-US"/>
+              <a:t>Library: </a:t>
+            </a:r>
+            <a:r>
+              <a:rPr lang="en-US" err="1"/>
+              <a:t>tkinter</a:t>
+            </a:r>
+            <a:endParaRPr lang="en-US"/>
+          </a:p>
+          <a:p>
+            <a:r>
+              <a:rPr lang="en-US"/>
+              <a:t> Components:</a:t>
+            </a:r>
+          </a:p>
+          <a:p>
+            <a:r>
+              <a:rPr lang="en-US"/>
+              <a:t>  1. Microphone button (with custom image)</a:t>
+            </a:r>
+          </a:p>
+          <a:p>
+            <a:r>
+              <a:rPr lang="en-US"/>
+              <a:t>  2. Text input field</a:t>
+            </a:r>
+          </a:p>
+          <a:p>
+            <a:r>
+              <a:rPr lang="en-US"/>
+              <a:t>  3. Submit button</a:t>
+            </a:r>
+          </a:p>
+          <a:p>
+            <a:r>
+              <a:rPr lang="en-US"/>
+              <a:t>  4. Output text area</a:t>
+            </a:r>
+          </a:p>
+          <a:p>
+            <a:endParaRPr lang="en-US"/>
+          </a:p>
+          <a:p>
+            <a:r>
+              <a:rPr lang="en-US"/>
+              <a:t> Event Handling:</a:t>
+            </a:r>
+          </a:p>
+          <a:p>
+            <a:r>
+              <a:rPr lang="en-US"/>
+              <a:t>  • Button click events</a:t>
+            </a:r>
+          </a:p>
+          <a:p>
+            <a:r>
+              <a:rPr lang="en-US"/>
+              <a:t>  • Text input submission</a:t>
+            </a:r>
+          </a:p>
+        </p:txBody>
+      </p:sp>
+      <p:pic>
+        <p:nvPicPr>
+          <p:cNvPr id="5" name="Picture 4" descr="A screen shot of a computer&#10;&#10;Description automatically generated">
+            <a:extLst>
+              <a:ext uri="{FF2B5EF4-FFF2-40B4-BE49-F238E27FC236}">
+                <a16:creationId xmlns:a16="http://schemas.microsoft.com/office/drawing/2014/main" id="{236356F3-B333-FE42-C0A1-429699EE8FDD}"/>
+              </a:ext>
+            </a:extLst>
+          </p:cNvPr>
+          <p:cNvPicPr>
+            <a:picLocks noChangeAspect="1"/>
+          </p:cNvPicPr>
+          <p:nvPr/>
+        </p:nvPicPr>
+        <p:blipFill>
+          <a:blip r:embed="rId2"/>
+          <a:srcRect l="2068" r="8604" b="-2"/>
+          <a:stretch/>
+        </p:blipFill>
+        <p:spPr>
+          <a:xfrm>
+            <a:off x="6474163" y="2004589"/>
+            <a:ext cx="5184437" cy="3685499"/>
+          </a:xfrm>
+          <a:prstGeom prst="rect">
+            <a:avLst/>
+          </a:prstGeom>
+          <a:noFill/>
+        </p:spPr>
+      </p:pic>
       <p:sp>
         <p:nvSpPr>
           <p:cNvPr id="8" name="Text Placeholder 18">
@@ -28899,16 +28944,16 @@
         </p:nvSpPr>
         <p:spPr>
           <a:xfrm>
-            <a:off x="6299200" y="3345382"/>
-            <a:ext cx="3314700" cy="2318818"/>
+            <a:off x="6500812" y="1681163"/>
+            <a:ext cx="5157788" cy="823912"/>
           </a:xfrm>
           <a:prstGeom prst="rect">
             <a:avLst/>
           </a:prstGeom>
         </p:spPr>
         <p:txBody>
-          <a:bodyPr vert="horz" lIns="0" tIns="0" rIns="0" bIns="0" rtlCol="0">
-            <a:noAutofit/>
+          <a:bodyPr vert="horz" lIns="91440" tIns="45720" rIns="91440" bIns="45720" rtlCol="0" anchor="t">
+            <a:normAutofit/>
           </a:bodyPr>
           <a:lstStyle>
             <a:lvl1pPr marL="0" indent="0" algn="l" defTabSz="914400" rtl="0" eaLnBrk="1" latinLnBrk="0" hangingPunct="1">
@@ -29099,22 +29144,19 @@
             </a:lvl9pPr>
           </a:lstStyle>
           <a:p>
-            <a:r>
-              <a:rPr lang="en-US" sz="1800" dirty="0"/>
-              <a:t>  Event Handling:</a:t>
-            </a:r>
-          </a:p>
-          <a:p>
-            <a:r>
-              <a:rPr lang="en-US" sz="1800" dirty="0"/>
-              <a:t>  • Button click events</a:t>
-            </a:r>
-          </a:p>
-          <a:p>
-            <a:r>
-              <a:rPr lang="en-US" sz="1800" dirty="0"/>
-              <a:t>  • Text input submission</a:t>
-            </a:r>
+            <a:pPr algn="ctr">
+              <a:lnSpc>
+                <a:spcPct val="90000"/>
+              </a:lnSpc>
+              <a:spcBef>
+                <a:spcPts val="1000"/>
+              </a:spcBef>
+            </a:pPr>
+            <a:endParaRPr lang="en-US" sz="800" b="1" kern="1200" dirty="0">
+              <a:latin typeface="+mn-lt"/>
+              <a:ea typeface="+mn-ea"/>
+              <a:cs typeface="+mn-cs"/>
+            </a:endParaRPr>
           </a:p>
         </p:txBody>
       </p:sp>
@@ -32736,20 +32778,20 @@
 </file>
 
 <file path=customXml/item1.xml><?xml version="1.0" encoding="utf-8"?>
-<p:properties xmlns:p="http://schemas.microsoft.com/office/2006/metadata/properties" xmlns:xsi="http://www.w3.org/2001/XMLSchema-instance" xmlns:pc="http://schemas.microsoft.com/office/infopath/2007/PartnerControls">
-  <documentManagement>
-    <MediaServiceKeyPoints xmlns="71af3243-3dd4-4a8d-8c0d-dd76da1f02a5" xsi:nil="true"/>
-  </documentManagement>
-</p:properties>
-</file>
-
-<file path=customXml/item2.xml><?xml version="1.0" encoding="utf-8"?>
 <?mso-contentType ?>
 <FormTemplates xmlns="http://schemas.microsoft.com/sharepoint/v3/contenttype/forms">
   <Display>DocumentLibraryForm</Display>
   <Edit>DocumentLibraryForm</Edit>
   <New>DocumentLibraryForm</New>
 </FormTemplates>
+</file>
+
+<file path=customXml/item2.xml><?xml version="1.0" encoding="utf-8"?>
+<p:properties xmlns:p="http://schemas.microsoft.com/office/2006/metadata/properties" xmlns:xsi="http://www.w3.org/2001/XMLSchema-instance" xmlns:pc="http://schemas.microsoft.com/office/infopath/2007/PartnerControls">
+  <documentManagement>
+    <MediaServiceKeyPoints xmlns="71af3243-3dd4-4a8d-8c0d-dd76da1f02a5" xsi:nil="true"/>
+  </documentManagement>
+</p:properties>
 </file>
 
 <file path=customXml/item3.xml><?xml version="1.0" encoding="utf-8"?>
@@ -32964,19 +33006,19 @@
 </file>
 
 <file path=customXml/itemProps1.xml><?xml version="1.0" encoding="utf-8"?>
+<ds:datastoreItem xmlns:ds="http://schemas.openxmlformats.org/officeDocument/2006/customXml" ds:itemID="{5B26E0C9-B2AA-42E6-97B6-E1B7D9EAF129}">
+  <ds:schemaRefs>
+    <ds:schemaRef ds:uri="http://schemas.microsoft.com/sharepoint/v3/contenttype/forms"/>
+  </ds:schemaRefs>
+</ds:datastoreItem>
+</file>
+
+<file path=customXml/itemProps2.xml><?xml version="1.0" encoding="utf-8"?>
 <ds:datastoreItem xmlns:ds="http://schemas.openxmlformats.org/officeDocument/2006/customXml" ds:itemID="{F5757914-1161-4661-9696-421FD6935CDD}">
   <ds:schemaRefs>
     <ds:schemaRef ds:uri="http://schemas.microsoft.com/office/2006/metadata/properties"/>
     <ds:schemaRef ds:uri="http://schemas.microsoft.com/office/infopath/2007/PartnerControls"/>
     <ds:schemaRef ds:uri="71af3243-3dd4-4a8d-8c0d-dd76da1f02a5"/>
-  </ds:schemaRefs>
-</ds:datastoreItem>
-</file>
-
-<file path=customXml/itemProps2.xml><?xml version="1.0" encoding="utf-8"?>
-<ds:datastoreItem xmlns:ds="http://schemas.openxmlformats.org/officeDocument/2006/customXml" ds:itemID="{5B26E0C9-B2AA-42E6-97B6-E1B7D9EAF129}">
-  <ds:schemaRefs>
-    <ds:schemaRef ds:uri="http://schemas.microsoft.com/sharepoint/v3/contenttype/forms"/>
   </ds:schemaRefs>
 </ds:datastoreItem>
 </file>

--- a/sparrow virtual assistance python.pptx
+++ b/sparrow virtual assistance python.pptx
@@ -28606,12 +28606,20 @@
           <a:lstStyle/>
           <a:p>
             <a:r>
+              <a:rPr lang="en-US" sz="5400">
+                <a:solidFill>
+                  <a:schemeClr val="bg1"/>
+                </a:solidFill>
+              </a:rPr>
+              <a:t>Sparrow - </a:t>
+            </a:r>
+            <a:r>
               <a:rPr lang="en-US" sz="5400" dirty="0">
                 <a:solidFill>
                   <a:schemeClr val="bg1"/>
                 </a:solidFill>
               </a:rPr>
-              <a:t>Sparrow A Virtual Assistance</a:t>
+              <a:t>A Virtual Assistance</a:t>
             </a:r>
           </a:p>
         </p:txBody>
@@ -30236,7 +30244,7 @@
           <a:p>
             <a:r>
               <a:rPr lang="en-US" dirty="0"/>
-              <a:t>Key Technology</a:t>
+              <a:t>Key Libraries</a:t>
             </a:r>
           </a:p>
         </p:txBody>
@@ -30812,18 +30820,77 @@
         </p:nvSpPr>
         <p:spPr>
           <a:xfrm>
-            <a:off x="444500" y="540271"/>
-            <a:ext cx="4811713" cy="628129"/>
+            <a:off x="444500" y="542925"/>
+            <a:ext cx="11214100" cy="535531"/>
           </a:xfrm>
         </p:spPr>
         <p:txBody>
-          <a:bodyPr/>
+          <a:bodyPr wrap="square" anchor="t">
+            <a:normAutofit/>
+          </a:bodyPr>
           <a:lstStyle/>
           <a:p>
             <a:r>
               <a:rPr lang="en-US" dirty="0"/>
-              <a:t>Key Libraries and APIs</a:t>
+              <a:t>APIs used</a:t>
             </a:r>
+          </a:p>
+        </p:txBody>
+      </p:sp>
+      <p:sp>
+        <p:nvSpPr>
+          <p:cNvPr id="8" name="Text Placeholder 7">
+            <a:extLst>
+              <a:ext uri="{FF2B5EF4-FFF2-40B4-BE49-F238E27FC236}">
+                <a16:creationId xmlns:a16="http://schemas.microsoft.com/office/drawing/2014/main" id="{47DC4E62-1A34-4F98-A451-214F1808519C}"/>
+              </a:ext>
+            </a:extLst>
+          </p:cNvPr>
+          <p:cNvSpPr>
+            <a:spLocks noGrp="1"/>
+          </p:cNvSpPr>
+          <p:nvPr>
+            <p:ph type="body" sz="quarter" idx="18"/>
+          </p:nvPr>
+        </p:nvSpPr>
+        <p:spPr>
+          <a:xfrm>
+            <a:off x="542094" y="4240093"/>
+            <a:ext cx="9402006" cy="1463040"/>
+          </a:xfrm>
+        </p:spPr>
+        <p:txBody>
+          <a:bodyPr>
+            <a:normAutofit/>
+          </a:bodyPr>
+          <a:lstStyle/>
+          <a:p>
+            <a:pPr marL="0" indent="0">
+              <a:buNone/>
+            </a:pPr>
+            <a:r>
+              <a:rPr lang="en-US" sz="2000" dirty="0"/>
+              <a:t>The external API (open </a:t>
+            </a:r>
+            <a:r>
+              <a:rPr lang="en-US" sz="2000" dirty="0" err="1"/>
+              <a:t>weathermap</a:t>
+            </a:r>
+            <a:r>
+              <a:rPr lang="en-US" sz="2000" dirty="0"/>
+              <a:t>) acts as a source for weather data. The way it works is as we input the complier takes the city name and using the </a:t>
+            </a:r>
+            <a:r>
+              <a:rPr lang="en-US" sz="2000" dirty="0" err="1"/>
+              <a:t>api</a:t>
+            </a:r>
+            <a:r>
+              <a:rPr lang="en-US" sz="2000" dirty="0"/>
+              <a:t> it gathers the weather details and gives the output in the form of speech.</a:t>
+            </a:r>
+          </a:p>
+          <a:p>
+            <a:endParaRPr lang="en-US" sz="2000" dirty="0"/>
           </a:p>
         </p:txBody>
       </p:sp>
@@ -30843,67 +30910,67 @@
             <p:ph type="sldNum" sz="quarter" idx="12"/>
           </p:nvPr>
         </p:nvSpPr>
-        <p:spPr/>
+        <p:spPr>
+          <a:xfrm>
+            <a:off x="11252200" y="6315075"/>
+            <a:ext cx="406400" cy="365125"/>
+          </a:xfrm>
+        </p:spPr>
         <p:txBody>
-          <a:bodyPr/>
+          <a:bodyPr anchor="ctr">
+            <a:normAutofit/>
+          </a:bodyPr>
           <a:lstStyle/>
           <a:p>
+            <a:pPr>
+              <a:spcAft>
+                <a:spcPts val="600"/>
+              </a:spcAft>
+            </a:pPr>
             <a:fld id="{C263D6C4-4840-40CC-AC84-17E24B3B7BDE}" type="slidenum">
               <a:rPr lang="en-US" smtClean="0"/>
-              <a:pPr/>
+              <a:pPr>
+                <a:spcAft>
+                  <a:spcPts val="600"/>
+                </a:spcAft>
+              </a:pPr>
               <a:t>5</a:t>
             </a:fld>
-            <a:endParaRPr lang="en-US" dirty="0"/>
+            <a:endParaRPr lang="en-US"/>
           </a:p>
         </p:txBody>
       </p:sp>
-      <p:sp>
-        <p:nvSpPr>
-          <p:cNvPr id="8" name="Text Placeholder 7">
+      <p:pic>
+        <p:nvPicPr>
+          <p:cNvPr id="5" name="Picture 4" descr="A screen shot of a computer program&#10;&#10;Description automatically generated">
             <a:extLst>
               <a:ext uri="{FF2B5EF4-FFF2-40B4-BE49-F238E27FC236}">
-                <a16:creationId xmlns:a16="http://schemas.microsoft.com/office/drawing/2014/main" id="{47DC4E62-1A34-4F98-A451-214F1808519C}"/>
+                <a16:creationId xmlns:a16="http://schemas.microsoft.com/office/drawing/2014/main" id="{A716D8C1-34BA-189E-9AFD-DA6A86A4D329}"/>
               </a:ext>
             </a:extLst>
           </p:cNvPr>
-          <p:cNvSpPr>
-            <a:spLocks noGrp="1"/>
-          </p:cNvSpPr>
-          <p:nvPr>
-            <p:ph type="body" sz="quarter" idx="2"/>
-          </p:nvPr>
-        </p:nvSpPr>
+          <p:cNvPicPr>
+            <a:picLocks noChangeAspect="1"/>
+          </p:cNvPicPr>
+          <p:nvPr/>
+        </p:nvPicPr>
+        <p:blipFill>
+          <a:blip r:embed="rId2"/>
+          <a:stretch>
+            <a:fillRect/>
+          </a:stretch>
+        </p:blipFill>
         <p:spPr>
           <a:xfrm>
-            <a:off x="444500" y="2872308"/>
-            <a:ext cx="7759700" cy="1990725"/>
+            <a:off x="2113570" y="1352575"/>
+            <a:ext cx="7964858" cy="2289897"/>
           </a:xfrm>
+          <a:prstGeom prst="rect">
+            <a:avLst/>
+          </a:prstGeom>
+          <a:noFill/>
         </p:spPr>
-        <p:txBody>
-          <a:bodyPr/>
-          <a:lstStyle/>
-          <a:p>
-            <a:pPr marL="0" indent="0">
-              <a:buNone/>
-            </a:pPr>
-            <a:r>
-              <a:rPr lang="en-US" sz="2000" dirty="0"/>
-              <a:t>This Project uses key libraries such as speech _recognition, pyttsx3, tkinter, and pygame to create a voice enabled virtual assistant which includes features such as voice commands, reminders, alarms, weather update and threading which also ensures the task to run smooth. The external API (open </a:t>
-            </a:r>
-            <a:r>
-              <a:rPr lang="en-US" sz="2000" dirty="0" err="1"/>
-              <a:t>weathermap</a:t>
-            </a:r>
-            <a:r>
-              <a:rPr lang="en-US" sz="2000" dirty="0"/>
-              <a:t>) acts as a source for weather data.</a:t>
-            </a:r>
-          </a:p>
-          <a:p>
-            <a:endParaRPr lang="en-US" dirty="0"/>
-          </a:p>
-        </p:txBody>
-      </p:sp>
+      </p:pic>
     </p:spTree>
     <p:extLst>
       <p:ext uri="{BB962C8B-B14F-4D97-AF65-F5344CB8AC3E}">
@@ -31029,7 +31096,7 @@
               </a:pPr>
               <a:t>6</a:t>
             </a:fld>
-            <a:endParaRPr lang="en-US"/>
+            <a:endParaRPr lang="en-US" dirty="0"/>
           </a:p>
         </p:txBody>
       </p:sp>
@@ -32778,23 +32845,6 @@
 </file>
 
 <file path=customXml/item1.xml><?xml version="1.0" encoding="utf-8"?>
-<?mso-contentType ?>
-<FormTemplates xmlns="http://schemas.microsoft.com/sharepoint/v3/contenttype/forms">
-  <Display>DocumentLibraryForm</Display>
-  <Edit>DocumentLibraryForm</Edit>
-  <New>DocumentLibraryForm</New>
-</FormTemplates>
-</file>
-
-<file path=customXml/item2.xml><?xml version="1.0" encoding="utf-8"?>
-<p:properties xmlns:p="http://schemas.microsoft.com/office/2006/metadata/properties" xmlns:xsi="http://www.w3.org/2001/XMLSchema-instance" xmlns:pc="http://schemas.microsoft.com/office/infopath/2007/PartnerControls">
-  <documentManagement>
-    <MediaServiceKeyPoints xmlns="71af3243-3dd4-4a8d-8c0d-dd76da1f02a5" xsi:nil="true"/>
-  </documentManagement>
-</p:properties>
-</file>
-
-<file path=customXml/item3.xml><?xml version="1.0" encoding="utf-8"?>
 <ct:contentTypeSchema xmlns:ct="http://schemas.microsoft.com/office/2006/metadata/contentType" xmlns:ma="http://schemas.microsoft.com/office/2006/metadata/properties/metaAttributes" ct:_="" ma:_="" ma:contentTypeName="Document" ma:contentTypeID="0x01010079F111ED35F8CC479449609E8A0923A6" ma:contentTypeVersion="11" ma:contentTypeDescription="Create a new document." ma:contentTypeScope="" ma:versionID="96291512c1ee715ab617f4c07df79fc1">
   <xsd:schema xmlns:xsd="http://www.w3.org/2001/XMLSchema" xmlns:xs="http://www.w3.org/2001/XMLSchema" xmlns:p="http://schemas.microsoft.com/office/2006/metadata/properties" xmlns:ns2="71af3243-3dd4-4a8d-8c0d-dd76da1f02a5" xmlns:ns3="16c05727-aa75-4e4a-9b5f-8a80a1165891" targetNamespace="http://schemas.microsoft.com/office/2006/metadata/properties" ma:root="true" ma:fieldsID="8256c27c40ca5c40ce1cf6c44f0205df" ns2:_="" ns3:_="">
     <xsd:import namespace="71af3243-3dd4-4a8d-8c0d-dd76da1f02a5"/>
@@ -33005,25 +33055,24 @@
 </ct:contentTypeSchema>
 </file>
 
-<file path=customXml/itemProps1.xml><?xml version="1.0" encoding="utf-8"?>
-<ds:datastoreItem xmlns:ds="http://schemas.openxmlformats.org/officeDocument/2006/customXml" ds:itemID="{5B26E0C9-B2AA-42E6-97B6-E1B7D9EAF129}">
-  <ds:schemaRefs>
-    <ds:schemaRef ds:uri="http://schemas.microsoft.com/sharepoint/v3/contenttype/forms"/>
-  </ds:schemaRefs>
-</ds:datastoreItem>
+<file path=customXml/item2.xml><?xml version="1.0" encoding="utf-8"?>
+<p:properties xmlns:p="http://schemas.microsoft.com/office/2006/metadata/properties" xmlns:xsi="http://www.w3.org/2001/XMLSchema-instance" xmlns:pc="http://schemas.microsoft.com/office/infopath/2007/PartnerControls">
+  <documentManagement>
+    <MediaServiceKeyPoints xmlns="71af3243-3dd4-4a8d-8c0d-dd76da1f02a5" xsi:nil="true"/>
+  </documentManagement>
+</p:properties>
 </file>
 
-<file path=customXml/itemProps2.xml><?xml version="1.0" encoding="utf-8"?>
-<ds:datastoreItem xmlns:ds="http://schemas.openxmlformats.org/officeDocument/2006/customXml" ds:itemID="{F5757914-1161-4661-9696-421FD6935CDD}">
-  <ds:schemaRefs>
-    <ds:schemaRef ds:uri="http://schemas.microsoft.com/office/2006/metadata/properties"/>
-    <ds:schemaRef ds:uri="http://schemas.microsoft.com/office/infopath/2007/PartnerControls"/>
-    <ds:schemaRef ds:uri="71af3243-3dd4-4a8d-8c0d-dd76da1f02a5"/>
-  </ds:schemaRefs>
-</ds:datastoreItem>
+<file path=customXml/item3.xml><?xml version="1.0" encoding="utf-8"?>
+<?mso-contentType ?>
+<FormTemplates xmlns="http://schemas.microsoft.com/sharepoint/v3/contenttype/forms">
+  <Display>DocumentLibraryForm</Display>
+  <Edit>DocumentLibraryForm</Edit>
+  <New>DocumentLibraryForm</New>
+</FormTemplates>
 </file>
 
-<file path=customXml/itemProps3.xml><?xml version="1.0" encoding="utf-8"?>
+<file path=customXml/itemProps1.xml><?xml version="1.0" encoding="utf-8"?>
 <ds:datastoreItem xmlns:ds="http://schemas.openxmlformats.org/officeDocument/2006/customXml" ds:itemID="{4C103400-4A22-4E35-B588-4C4D42638959}">
   <ds:schemaRefs>
     <ds:schemaRef ds:uri="http://schemas.microsoft.com/office/2006/metadata/contentType"/>
@@ -33040,4 +33089,22 @@
     <ds:schemaRef ds:uri="http://schemas.microsoft.com/internal/obd"/>
   </ds:schemaRefs>
 </ds:datastoreItem>
+</file>
+
+<file path=customXml/itemProps2.xml><?xml version="1.0" encoding="utf-8"?>
+<ds:datastoreItem xmlns:ds="http://schemas.openxmlformats.org/officeDocument/2006/customXml" ds:itemID="{F5757914-1161-4661-9696-421FD6935CDD}">
+  <ds:schemaRefs>
+    <ds:schemaRef ds:uri="http://schemas.microsoft.com/office/2006/metadata/properties"/>
+    <ds:schemaRef ds:uri="http://schemas.microsoft.com/office/infopath/2007/PartnerControls"/>
+    <ds:schemaRef ds:uri="71af3243-3dd4-4a8d-8c0d-dd76da1f02a5"/>
+  </ds:schemaRefs>
+</ds:datastoreItem>
+</file>
+
+<file path=customXml/itemProps3.xml><?xml version="1.0" encoding="utf-8"?>
+<ds:datastoreItem xmlns:ds="http://schemas.openxmlformats.org/officeDocument/2006/customXml" ds:itemID="{5B26E0C9-B2AA-42E6-97B6-E1B7D9EAF129}">
+  <ds:schemaRefs>
+    <ds:schemaRef ds:uri="http://schemas.microsoft.com/sharepoint/v3/contenttype/forms"/>
+  </ds:schemaRefs>
+</ds:datastoreItem>
 </file>